--- a/科研绘图及数据/临界电流密度/Jc数据.pptx
+++ b/科研绘图及数据/临界电流密度/Jc数据.pptx
@@ -244,7 +244,7 @@
           <a:p>
             <a:fld id="{E4D90BC2-2884-4579-8035-556168E40905}" type="datetimeFigureOut">
               <a:rPr lang="zh-CN" altLang="en-US" smtClean="0"/>
-              <a:t>2019/11/19</a:t>
+              <a:t>2019/11/20</a:t>
             </a:fld>
             <a:endParaRPr lang="zh-CN" altLang="en-US"/>
           </a:p>
@@ -414,7 +414,7 @@
           <a:p>
             <a:fld id="{E4D90BC2-2884-4579-8035-556168E40905}" type="datetimeFigureOut">
               <a:rPr lang="zh-CN" altLang="en-US" smtClean="0"/>
-              <a:t>2019/11/19</a:t>
+              <a:t>2019/11/20</a:t>
             </a:fld>
             <a:endParaRPr lang="zh-CN" altLang="en-US"/>
           </a:p>
@@ -594,7 +594,7 @@
           <a:p>
             <a:fld id="{E4D90BC2-2884-4579-8035-556168E40905}" type="datetimeFigureOut">
               <a:rPr lang="zh-CN" altLang="en-US" smtClean="0"/>
-              <a:t>2019/11/19</a:t>
+              <a:t>2019/11/20</a:t>
             </a:fld>
             <a:endParaRPr lang="zh-CN" altLang="en-US"/>
           </a:p>
@@ -764,7 +764,7 @@
           <a:p>
             <a:fld id="{E4D90BC2-2884-4579-8035-556168E40905}" type="datetimeFigureOut">
               <a:rPr lang="zh-CN" altLang="en-US" smtClean="0"/>
-              <a:t>2019/11/19</a:t>
+              <a:t>2019/11/20</a:t>
             </a:fld>
             <a:endParaRPr lang="zh-CN" altLang="en-US"/>
           </a:p>
@@ -1010,7 +1010,7 @@
           <a:p>
             <a:fld id="{E4D90BC2-2884-4579-8035-556168E40905}" type="datetimeFigureOut">
               <a:rPr lang="zh-CN" altLang="en-US" smtClean="0"/>
-              <a:t>2019/11/19</a:t>
+              <a:t>2019/11/20</a:t>
             </a:fld>
             <a:endParaRPr lang="zh-CN" altLang="en-US"/>
           </a:p>
@@ -1242,7 +1242,7 @@
           <a:p>
             <a:fld id="{E4D90BC2-2884-4579-8035-556168E40905}" type="datetimeFigureOut">
               <a:rPr lang="zh-CN" altLang="en-US" smtClean="0"/>
-              <a:t>2019/11/19</a:t>
+              <a:t>2019/11/20</a:t>
             </a:fld>
             <a:endParaRPr lang="zh-CN" altLang="en-US"/>
           </a:p>
@@ -1609,7 +1609,7 @@
           <a:p>
             <a:fld id="{E4D90BC2-2884-4579-8035-556168E40905}" type="datetimeFigureOut">
               <a:rPr lang="zh-CN" altLang="en-US" smtClean="0"/>
-              <a:t>2019/11/19</a:t>
+              <a:t>2019/11/20</a:t>
             </a:fld>
             <a:endParaRPr lang="zh-CN" altLang="en-US"/>
           </a:p>
@@ -1727,7 +1727,7 @@
           <a:p>
             <a:fld id="{E4D90BC2-2884-4579-8035-556168E40905}" type="datetimeFigureOut">
               <a:rPr lang="zh-CN" altLang="en-US" smtClean="0"/>
-              <a:t>2019/11/19</a:t>
+              <a:t>2019/11/20</a:t>
             </a:fld>
             <a:endParaRPr lang="zh-CN" altLang="en-US"/>
           </a:p>
@@ -1822,7 +1822,7 @@
           <a:p>
             <a:fld id="{E4D90BC2-2884-4579-8035-556168E40905}" type="datetimeFigureOut">
               <a:rPr lang="zh-CN" altLang="en-US" smtClean="0"/>
-              <a:t>2019/11/19</a:t>
+              <a:t>2019/11/20</a:t>
             </a:fld>
             <a:endParaRPr lang="zh-CN" altLang="en-US"/>
           </a:p>
@@ -2099,7 +2099,7 @@
           <a:p>
             <a:fld id="{E4D90BC2-2884-4579-8035-556168E40905}" type="datetimeFigureOut">
               <a:rPr lang="zh-CN" altLang="en-US" smtClean="0"/>
-              <a:t>2019/11/19</a:t>
+              <a:t>2019/11/20</a:t>
             </a:fld>
             <a:endParaRPr lang="zh-CN" altLang="en-US"/>
           </a:p>
@@ -2352,7 +2352,7 @@
           <a:p>
             <a:fld id="{E4D90BC2-2884-4579-8035-556168E40905}" type="datetimeFigureOut">
               <a:rPr lang="zh-CN" altLang="en-US" smtClean="0"/>
-              <a:t>2019/11/19</a:t>
+              <a:t>2019/11/20</a:t>
             </a:fld>
             <a:endParaRPr lang="zh-CN" altLang="en-US"/>
           </a:p>
@@ -2565,7 +2565,7 @@
           <a:p>
             <a:fld id="{E4D90BC2-2884-4579-8035-556168E40905}" type="datetimeFigureOut">
               <a:rPr lang="zh-CN" altLang="en-US" smtClean="0"/>
-              <a:t>2019/11/19</a:t>
+              <a:t>2019/11/20</a:t>
             </a:fld>
             <a:endParaRPr lang="zh-CN" altLang="en-US"/>
           </a:p>
@@ -2972,15 +2972,15 @@
       </p:grpSpPr>
       <p:grpSp>
         <p:nvGrpSpPr>
-          <p:cNvPr id="53" name="组合 52"/>
+          <p:cNvPr id="16" name="组合 15"/>
           <p:cNvGrpSpPr/>
           <p:nvPr/>
         </p:nvGrpSpPr>
         <p:grpSpPr>
           <a:xfrm>
-            <a:off x="1801879" y="416367"/>
+            <a:off x="1819296" y="555705"/>
             <a:ext cx="6218690" cy="4291910"/>
-            <a:chOff x="1801879" y="416367"/>
+            <a:chOff x="1819296" y="555705"/>
             <a:chExt cx="6218690" cy="4291910"/>
           </a:xfrm>
         </p:grpSpPr>
@@ -2992,7 +2992,7 @@
           </p:nvGrpSpPr>
           <p:grpSpPr>
             <a:xfrm>
-              <a:off x="2337581" y="416367"/>
+              <a:off x="2354998" y="555705"/>
               <a:ext cx="5682988" cy="4291910"/>
               <a:chOff x="2337581" y="416367"/>
               <a:chExt cx="5682988" cy="4291910"/>
@@ -3762,175 +3762,13 @@
         </p:grpSp>
         <p:sp>
           <p:nvSpPr>
-            <p:cNvPr id="24" name="文本框 23"/>
-            <p:cNvSpPr txBox="1"/>
-            <p:nvPr/>
-          </p:nvSpPr>
-          <p:spPr>
-            <a:xfrm>
-              <a:off x="4878185" y="883330"/>
-              <a:ext cx="651140" cy="246221"/>
-            </a:xfrm>
-            <a:prstGeom prst="rect">
-              <a:avLst/>
-            </a:prstGeom>
-            <a:solidFill>
-              <a:schemeClr val="bg1"/>
-            </a:solidFill>
-          </p:spPr>
-          <p:txBody>
-            <a:bodyPr wrap="none" rtlCol="0">
-              <a:spAutoFit/>
-            </a:bodyPr>
-            <a:lstStyle/>
-            <a:p>
-              <a:r>
-                <a:rPr lang="en-US" altLang="zh-CN" sz="1000" b="1" dirty="0">
-                  <a:solidFill>
-                    <a:srgbClr val="FF0000"/>
-                  </a:solidFill>
-                  <a:latin typeface="Times New Roman" panose="02020603050405020304" pitchFamily="18" charset="0"/>
-                  <a:cs typeface="Times New Roman" panose="02020603050405020304" pitchFamily="18" charset="0"/>
-                </a:rPr>
-                <a:t>o</a:t>
-              </a:r>
-              <a:r>
-                <a:rPr lang="en-US" altLang="zh-CN" sz="1000" b="1" dirty="0" smtClean="0">
-                  <a:solidFill>
-                    <a:srgbClr val="FF0000"/>
-                  </a:solidFill>
-                  <a:latin typeface="Times New Roman" panose="02020603050405020304" pitchFamily="18" charset="0"/>
-                  <a:cs typeface="Times New Roman" panose="02020603050405020304" pitchFamily="18" charset="0"/>
-                </a:rPr>
-                <a:t>ne turn</a:t>
-              </a:r>
-              <a:endParaRPr lang="zh-CN" altLang="en-US" sz="1000" b="1" dirty="0">
-                <a:solidFill>
-                  <a:srgbClr val="FF0000"/>
-                </a:solidFill>
-                <a:latin typeface="Times New Roman" panose="02020603050405020304" pitchFamily="18" charset="0"/>
-                <a:cs typeface="Times New Roman" panose="02020603050405020304" pitchFamily="18" charset="0"/>
-              </a:endParaRPr>
-            </a:p>
-          </p:txBody>
-        </p:sp>
-        <p:sp>
-          <p:nvSpPr>
             <p:cNvPr id="23" name="左右箭头 22"/>
             <p:cNvSpPr/>
             <p:nvPr/>
           </p:nvSpPr>
           <p:spPr>
             <a:xfrm>
-              <a:off x="4916573" y="1094044"/>
-              <a:ext cx="555812" cy="173318"/>
-            </a:xfrm>
-            <a:prstGeom prst="leftRightArrow">
-              <a:avLst/>
-            </a:prstGeom>
-            <a:solidFill>
-              <a:schemeClr val="bg1"/>
-            </a:solidFill>
-            <a:ln>
-              <a:solidFill>
-                <a:srgbClr val="FF0000"/>
-              </a:solidFill>
-            </a:ln>
-          </p:spPr>
-          <p:style>
-            <a:lnRef idx="2">
-              <a:schemeClr val="accent1">
-                <a:shade val="50000"/>
-              </a:schemeClr>
-            </a:lnRef>
-            <a:fillRef idx="1">
-              <a:schemeClr val="accent1"/>
-            </a:fillRef>
-            <a:effectRef idx="0">
-              <a:schemeClr val="accent1"/>
-            </a:effectRef>
-            <a:fontRef idx="minor">
-              <a:schemeClr val="lt1"/>
-            </a:fontRef>
-          </p:style>
-          <p:txBody>
-            <a:bodyPr rtlCol="0" anchor="ctr"/>
-            <a:lstStyle/>
-            <a:p>
-              <a:pPr algn="ctr"/>
-              <a:endParaRPr lang="zh-CN" altLang="en-US">
-                <a:ln>
-                  <a:solidFill>
-                    <a:srgbClr val="FF0000"/>
-                  </a:solidFill>
-                </a:ln>
-              </a:endParaRPr>
-            </a:p>
-          </p:txBody>
-        </p:sp>
-        <p:sp>
-          <p:nvSpPr>
-            <p:cNvPr id="46" name="文本框 45"/>
-            <p:cNvSpPr txBox="1"/>
-            <p:nvPr/>
-          </p:nvSpPr>
-          <p:spPr>
-            <a:xfrm>
-              <a:off x="4878185" y="3061685"/>
-              <a:ext cx="651140" cy="246221"/>
-            </a:xfrm>
-            <a:prstGeom prst="rect">
-              <a:avLst/>
-            </a:prstGeom>
-            <a:solidFill>
-              <a:schemeClr val="bg1"/>
-            </a:solidFill>
-          </p:spPr>
-          <p:txBody>
-            <a:bodyPr wrap="none" rtlCol="0">
-              <a:spAutoFit/>
-            </a:bodyPr>
-            <a:lstStyle/>
-            <a:p>
-              <a:r>
-                <a:rPr lang="en-US" altLang="zh-CN" sz="1000" b="1" dirty="0">
-                  <a:solidFill>
-                    <a:srgbClr val="FF0000"/>
-                  </a:solidFill>
-                  <a:latin typeface="Times New Roman" panose="02020603050405020304" pitchFamily="18" charset="0"/>
-                  <a:cs typeface="Times New Roman" panose="02020603050405020304" pitchFamily="18" charset="0"/>
-                </a:rPr>
-                <a:t>o</a:t>
-              </a:r>
-              <a:r>
-                <a:rPr lang="en-US" altLang="zh-CN" sz="1000" b="1" dirty="0" smtClean="0">
-                  <a:solidFill>
-                    <a:srgbClr val="FF0000"/>
-                  </a:solidFill>
-                  <a:latin typeface="Times New Roman" panose="02020603050405020304" pitchFamily="18" charset="0"/>
-                  <a:cs typeface="Times New Roman" panose="02020603050405020304" pitchFamily="18" charset="0"/>
-                </a:rPr>
-                <a:t>ne turn</a:t>
-              </a:r>
-              <a:endParaRPr lang="zh-CN" altLang="en-US" sz="1000" b="1" dirty="0">
-                <a:solidFill>
-                  <a:srgbClr val="FF0000"/>
-                </a:solidFill>
-                <a:latin typeface="Times New Roman" panose="02020603050405020304" pitchFamily="18" charset="0"/>
-                <a:cs typeface="Times New Roman" panose="02020603050405020304" pitchFamily="18" charset="0"/>
-              </a:endParaRPr>
-            </a:p>
-          </p:txBody>
-        </p:sp>
-        <p:sp>
-          <p:nvSpPr>
-            <p:cNvPr id="47" name="左右箭头 46"/>
-            <p:cNvSpPr/>
-            <p:nvPr/>
-          </p:nvSpPr>
-          <p:spPr>
-            <a:xfrm>
-              <a:off x="4916573" y="3269901"/>
+              <a:off x="4918586" y="1857607"/>
               <a:ext cx="555812" cy="173318"/>
             </a:xfrm>
             <a:prstGeom prst="leftRightArrow">
@@ -3984,7 +3822,7 @@
           </p:nvCxnSpPr>
           <p:spPr>
             <a:xfrm rot="10800000" flipV="1">
-              <a:off x="2285684" y="1458567"/>
+              <a:off x="2303101" y="1597905"/>
               <a:ext cx="12700" cy="2207510"/>
             </a:xfrm>
             <a:prstGeom prst="curvedConnector3">
@@ -4023,8 +3861,8 @@
           </p:nvSpPr>
           <p:spPr>
             <a:xfrm>
-              <a:off x="1801879" y="2434942"/>
-              <a:ext cx="938077" cy="246221"/>
+              <a:off x="1819296" y="2574280"/>
+              <a:ext cx="2066591" cy="246221"/>
             </a:xfrm>
             <a:prstGeom prst="rect">
               <a:avLst/>
@@ -4038,7 +3876,7 @@
             <a:lstStyle/>
             <a:p>
               <a:r>
-                <a:rPr lang="en-US" altLang="zh-CN" sz="1000" b="1" dirty="0">
+                <a:rPr lang="en-US" altLang="zh-CN" sz="1000" b="1">
                   <a:solidFill>
                     <a:srgbClr val="FF0000"/>
                   </a:solidFill>
@@ -4048,14 +3886,330 @@
                 <a:t>different</a:t>
               </a:r>
               <a:r>
-                <a:rPr lang="en-US" altLang="zh-CN" sz="1000" b="1" dirty="0" smtClean="0">
+                <a:rPr lang="en-US" altLang="zh-CN" sz="1000" b="1" smtClean="0">
                   <a:solidFill>
                     <a:srgbClr val="FF0000"/>
                   </a:solidFill>
                   <a:latin typeface="Times New Roman" panose="02020603050405020304" pitchFamily="18" charset="0"/>
                   <a:cs typeface="Times New Roman" panose="02020603050405020304" pitchFamily="18" charset="0"/>
                 </a:rPr>
-                <a:t> turn</a:t>
+                <a:t> </a:t>
+              </a:r>
+              <a:r>
+                <a:rPr lang="en-US" altLang="zh-CN" sz="1000" b="1" smtClean="0">
+                  <a:solidFill>
+                    <a:srgbClr val="FF0000"/>
+                  </a:solidFill>
+                  <a:latin typeface="Times New Roman" panose="02020603050405020304" pitchFamily="18" charset="0"/>
+                  <a:cs typeface="Times New Roman" panose="02020603050405020304" pitchFamily="18" charset="0"/>
+                </a:rPr>
+                <a:t>turn with same condition</a:t>
+              </a:r>
+              <a:endParaRPr lang="zh-CN" altLang="en-US" sz="1000" b="1" dirty="0">
+                <a:solidFill>
+                  <a:srgbClr val="FF0000"/>
+                </a:solidFill>
+                <a:latin typeface="Times New Roman" panose="02020603050405020304" pitchFamily="18" charset="0"/>
+                <a:cs typeface="Times New Roman" panose="02020603050405020304" pitchFamily="18" charset="0"/>
+              </a:endParaRPr>
+            </a:p>
+          </p:txBody>
+        </p:sp>
+        <p:sp>
+          <p:nvSpPr>
+            <p:cNvPr id="15" name="矩形 14"/>
+            <p:cNvSpPr/>
+            <p:nvPr/>
+          </p:nvSpPr>
+          <p:spPr>
+            <a:xfrm>
+              <a:off x="5004609" y="1492315"/>
+              <a:ext cx="383766" cy="324495"/>
+            </a:xfrm>
+            <a:prstGeom prst="rect">
+              <a:avLst/>
+            </a:prstGeom>
+            <a:solidFill>
+              <a:schemeClr val="bg1"/>
+            </a:solidFill>
+            <a:ln>
+              <a:solidFill>
+                <a:schemeClr val="bg1"/>
+              </a:solidFill>
+            </a:ln>
+          </p:spPr>
+          <p:style>
+            <a:lnRef idx="2">
+              <a:schemeClr val="accent1">
+                <a:shade val="50000"/>
+              </a:schemeClr>
+            </a:lnRef>
+            <a:fillRef idx="1">
+              <a:schemeClr val="accent1"/>
+            </a:fillRef>
+            <a:effectRef idx="0">
+              <a:schemeClr val="accent1"/>
+            </a:effectRef>
+            <a:fontRef idx="minor">
+              <a:schemeClr val="lt1"/>
+            </a:fontRef>
+          </p:style>
+          <p:txBody>
+            <a:bodyPr rtlCol="0" anchor="ctr"/>
+            <a:lstStyle/>
+            <a:p>
+              <a:pPr algn="ctr"/>
+              <a:endParaRPr lang="zh-CN" altLang="en-US"/>
+            </a:p>
+          </p:txBody>
+        </p:sp>
+        <p:sp>
+          <p:nvSpPr>
+            <p:cNvPr id="24" name="文本框 23"/>
+            <p:cNvSpPr txBox="1"/>
+            <p:nvPr/>
+          </p:nvSpPr>
+          <p:spPr>
+            <a:xfrm>
+              <a:off x="4574690" y="1460555"/>
+              <a:ext cx="1627369" cy="400110"/>
+            </a:xfrm>
+            <a:prstGeom prst="rect">
+              <a:avLst/>
+            </a:prstGeom>
+            <a:noFill/>
+          </p:spPr>
+          <p:txBody>
+            <a:bodyPr wrap="none" rtlCol="0">
+              <a:spAutoFit/>
+            </a:bodyPr>
+            <a:lstStyle/>
+            <a:p>
+              <a:r>
+                <a:rPr lang="en-US" altLang="zh-CN" sz="1000" b="1" smtClean="0">
+                  <a:solidFill>
+                    <a:srgbClr val="FF0000"/>
+                  </a:solidFill>
+                  <a:latin typeface="Times New Roman" panose="02020603050405020304" pitchFamily="18" charset="0"/>
+                  <a:cs typeface="Times New Roman" panose="02020603050405020304" pitchFamily="18" charset="0"/>
+                </a:rPr>
+                <a:t>            one turn</a:t>
+              </a:r>
+            </a:p>
+            <a:p>
+              <a:r>
+                <a:rPr lang="en-US" altLang="zh-CN" sz="1000" b="1" smtClean="0">
+                  <a:solidFill>
+                    <a:srgbClr val="FF0000"/>
+                  </a:solidFill>
+                  <a:latin typeface="Times New Roman" panose="02020603050405020304" pitchFamily="18" charset="0"/>
+                  <a:cs typeface="Times New Roman" panose="02020603050405020304" pitchFamily="18" charset="0"/>
+                </a:rPr>
+                <a:t>(placed on adject position)</a:t>
+              </a:r>
+              <a:endParaRPr lang="zh-CN" altLang="en-US" sz="1000" b="1" dirty="0">
+                <a:solidFill>
+                  <a:srgbClr val="FF0000"/>
+                </a:solidFill>
+                <a:latin typeface="Times New Roman" panose="02020603050405020304" pitchFamily="18" charset="0"/>
+                <a:cs typeface="Times New Roman" panose="02020603050405020304" pitchFamily="18" charset="0"/>
+              </a:endParaRPr>
+            </a:p>
+          </p:txBody>
+        </p:sp>
+        <p:sp>
+          <p:nvSpPr>
+            <p:cNvPr id="29" name="左右箭头 28"/>
+            <p:cNvSpPr/>
+            <p:nvPr/>
+          </p:nvSpPr>
+          <p:spPr>
+            <a:xfrm>
+              <a:off x="4918586" y="4079220"/>
+              <a:ext cx="555812" cy="173318"/>
+            </a:xfrm>
+            <a:prstGeom prst="leftRightArrow">
+              <a:avLst/>
+            </a:prstGeom>
+            <a:solidFill>
+              <a:schemeClr val="bg1"/>
+            </a:solidFill>
+            <a:ln>
+              <a:solidFill>
+                <a:srgbClr val="FF0000"/>
+              </a:solidFill>
+            </a:ln>
+          </p:spPr>
+          <p:style>
+            <a:lnRef idx="2">
+              <a:schemeClr val="accent1">
+                <a:shade val="50000"/>
+              </a:schemeClr>
+            </a:lnRef>
+            <a:fillRef idx="1">
+              <a:schemeClr val="accent1"/>
+            </a:fillRef>
+            <a:effectRef idx="0">
+              <a:schemeClr val="accent1"/>
+            </a:effectRef>
+            <a:fontRef idx="minor">
+              <a:schemeClr val="lt1"/>
+            </a:fontRef>
+          </p:style>
+          <p:txBody>
+            <a:bodyPr rtlCol="0" anchor="ctr"/>
+            <a:lstStyle/>
+            <a:p>
+              <a:pPr algn="ctr"/>
+              <a:endParaRPr lang="zh-CN" altLang="en-US">
+                <a:ln>
+                  <a:solidFill>
+                    <a:srgbClr val="FF0000"/>
+                  </a:solidFill>
+                </a:ln>
+              </a:endParaRPr>
+            </a:p>
+          </p:txBody>
+        </p:sp>
+        <p:sp>
+          <p:nvSpPr>
+            <p:cNvPr id="31" name="矩形 30"/>
+            <p:cNvSpPr/>
+            <p:nvPr/>
+          </p:nvSpPr>
+          <p:spPr>
+            <a:xfrm>
+              <a:off x="5004609" y="3735944"/>
+              <a:ext cx="383766" cy="258319"/>
+            </a:xfrm>
+            <a:prstGeom prst="rect">
+              <a:avLst/>
+            </a:prstGeom>
+            <a:solidFill>
+              <a:schemeClr val="bg1"/>
+            </a:solidFill>
+            <a:ln>
+              <a:solidFill>
+                <a:schemeClr val="bg1"/>
+              </a:solidFill>
+            </a:ln>
+          </p:spPr>
+          <p:style>
+            <a:lnRef idx="2">
+              <a:schemeClr val="accent1">
+                <a:shade val="50000"/>
+              </a:schemeClr>
+            </a:lnRef>
+            <a:fillRef idx="1">
+              <a:schemeClr val="accent1"/>
+            </a:fillRef>
+            <a:effectRef idx="0">
+              <a:schemeClr val="accent1"/>
+            </a:effectRef>
+            <a:fontRef idx="minor">
+              <a:schemeClr val="lt1"/>
+            </a:fontRef>
+          </p:style>
+          <p:txBody>
+            <a:bodyPr rtlCol="0" anchor="ctr"/>
+            <a:lstStyle/>
+            <a:p>
+              <a:pPr algn="ctr"/>
+              <a:endParaRPr lang="zh-CN" altLang="en-US"/>
+            </a:p>
+          </p:txBody>
+        </p:sp>
+        <p:sp>
+          <p:nvSpPr>
+            <p:cNvPr id="32" name="矩形 31"/>
+            <p:cNvSpPr/>
+            <p:nvPr/>
+          </p:nvSpPr>
+          <p:spPr>
+            <a:xfrm>
+              <a:off x="5004609" y="3684295"/>
+              <a:ext cx="383766" cy="333370"/>
+            </a:xfrm>
+            <a:prstGeom prst="rect">
+              <a:avLst/>
+            </a:prstGeom>
+            <a:solidFill>
+              <a:schemeClr val="bg1"/>
+            </a:solidFill>
+            <a:ln>
+              <a:solidFill>
+                <a:schemeClr val="bg1"/>
+              </a:solidFill>
+            </a:ln>
+          </p:spPr>
+          <p:style>
+            <a:lnRef idx="2">
+              <a:schemeClr val="accent1">
+                <a:shade val="50000"/>
+              </a:schemeClr>
+            </a:lnRef>
+            <a:fillRef idx="1">
+              <a:schemeClr val="accent1"/>
+            </a:fillRef>
+            <a:effectRef idx="0">
+              <a:schemeClr val="accent1"/>
+            </a:effectRef>
+            <a:fontRef idx="minor">
+              <a:schemeClr val="lt1"/>
+            </a:fontRef>
+          </p:style>
+          <p:txBody>
+            <a:bodyPr rtlCol="0" anchor="ctr"/>
+            <a:lstStyle/>
+            <a:p>
+              <a:pPr algn="ctr"/>
+              <a:endParaRPr lang="zh-CN" altLang="en-US"/>
+            </a:p>
+          </p:txBody>
+        </p:sp>
+        <p:sp>
+          <p:nvSpPr>
+            <p:cNvPr id="33" name="文本框 32"/>
+            <p:cNvSpPr txBox="1"/>
+            <p:nvPr/>
+          </p:nvSpPr>
+          <p:spPr>
+            <a:xfrm>
+              <a:off x="4574690" y="3665048"/>
+              <a:ext cx="1745991" cy="400110"/>
+            </a:xfrm>
+            <a:prstGeom prst="rect">
+              <a:avLst/>
+            </a:prstGeom>
+            <a:noFill/>
+          </p:spPr>
+          <p:txBody>
+            <a:bodyPr wrap="none" rtlCol="0">
+              <a:spAutoFit/>
+            </a:bodyPr>
+            <a:lstStyle/>
+            <a:p>
+              <a:r>
+                <a:rPr lang="en-US" altLang="zh-CN" sz="1000" b="1" smtClean="0">
+                  <a:solidFill>
+                    <a:srgbClr val="FF0000"/>
+                  </a:solidFill>
+                  <a:latin typeface="Times New Roman" panose="02020603050405020304" pitchFamily="18" charset="0"/>
+                  <a:cs typeface="Times New Roman" panose="02020603050405020304" pitchFamily="18" charset="0"/>
+                </a:rPr>
+                <a:t>            one turn</a:t>
+              </a:r>
+            </a:p>
+            <a:p>
+              <a:r>
+                <a:rPr lang="en-US" altLang="zh-CN" sz="1000" b="1" smtClean="0">
+                  <a:solidFill>
+                    <a:srgbClr val="FF0000"/>
+                  </a:solidFill>
+                  <a:latin typeface="Times New Roman" panose="02020603050405020304" pitchFamily="18" charset="0"/>
+                  <a:cs typeface="Times New Roman" panose="02020603050405020304" pitchFamily="18" charset="0"/>
+                </a:rPr>
+                <a:t>(placed on opposite position)</a:t>
               </a:r>
               <a:endParaRPr lang="zh-CN" altLang="en-US" sz="1000" b="1" dirty="0">
                 <a:solidFill>

--- a/科研绘图及数据/临界电流密度/Jc数据.pptx
+++ b/科研绘图及数据/临界电流密度/Jc数据.pptx
@@ -244,7 +244,7 @@
           <a:p>
             <a:fld id="{E4D90BC2-2884-4579-8035-556168E40905}" type="datetimeFigureOut">
               <a:rPr lang="zh-CN" altLang="en-US" smtClean="0"/>
-              <a:t>2019/11/20</a:t>
+              <a:t>2019/11/22</a:t>
             </a:fld>
             <a:endParaRPr lang="zh-CN" altLang="en-US"/>
           </a:p>
@@ -414,7 +414,7 @@
           <a:p>
             <a:fld id="{E4D90BC2-2884-4579-8035-556168E40905}" type="datetimeFigureOut">
               <a:rPr lang="zh-CN" altLang="en-US" smtClean="0"/>
-              <a:t>2019/11/20</a:t>
+              <a:t>2019/11/22</a:t>
             </a:fld>
             <a:endParaRPr lang="zh-CN" altLang="en-US"/>
           </a:p>
@@ -594,7 +594,7 @@
           <a:p>
             <a:fld id="{E4D90BC2-2884-4579-8035-556168E40905}" type="datetimeFigureOut">
               <a:rPr lang="zh-CN" altLang="en-US" smtClean="0"/>
-              <a:t>2019/11/20</a:t>
+              <a:t>2019/11/22</a:t>
             </a:fld>
             <a:endParaRPr lang="zh-CN" altLang="en-US"/>
           </a:p>
@@ -764,7 +764,7 @@
           <a:p>
             <a:fld id="{E4D90BC2-2884-4579-8035-556168E40905}" type="datetimeFigureOut">
               <a:rPr lang="zh-CN" altLang="en-US" smtClean="0"/>
-              <a:t>2019/11/20</a:t>
+              <a:t>2019/11/22</a:t>
             </a:fld>
             <a:endParaRPr lang="zh-CN" altLang="en-US"/>
           </a:p>
@@ -1010,7 +1010,7 @@
           <a:p>
             <a:fld id="{E4D90BC2-2884-4579-8035-556168E40905}" type="datetimeFigureOut">
               <a:rPr lang="zh-CN" altLang="en-US" smtClean="0"/>
-              <a:t>2019/11/20</a:t>
+              <a:t>2019/11/22</a:t>
             </a:fld>
             <a:endParaRPr lang="zh-CN" altLang="en-US"/>
           </a:p>
@@ -1242,7 +1242,7 @@
           <a:p>
             <a:fld id="{E4D90BC2-2884-4579-8035-556168E40905}" type="datetimeFigureOut">
               <a:rPr lang="zh-CN" altLang="en-US" smtClean="0"/>
-              <a:t>2019/11/20</a:t>
+              <a:t>2019/11/22</a:t>
             </a:fld>
             <a:endParaRPr lang="zh-CN" altLang="en-US"/>
           </a:p>
@@ -1609,7 +1609,7 @@
           <a:p>
             <a:fld id="{E4D90BC2-2884-4579-8035-556168E40905}" type="datetimeFigureOut">
               <a:rPr lang="zh-CN" altLang="en-US" smtClean="0"/>
-              <a:t>2019/11/20</a:t>
+              <a:t>2019/11/22</a:t>
             </a:fld>
             <a:endParaRPr lang="zh-CN" altLang="en-US"/>
           </a:p>
@@ -1727,7 +1727,7 @@
           <a:p>
             <a:fld id="{E4D90BC2-2884-4579-8035-556168E40905}" type="datetimeFigureOut">
               <a:rPr lang="zh-CN" altLang="en-US" smtClean="0"/>
-              <a:t>2019/11/20</a:t>
+              <a:t>2019/11/22</a:t>
             </a:fld>
             <a:endParaRPr lang="zh-CN" altLang="en-US"/>
           </a:p>
@@ -1822,7 +1822,7 @@
           <a:p>
             <a:fld id="{E4D90BC2-2884-4579-8035-556168E40905}" type="datetimeFigureOut">
               <a:rPr lang="zh-CN" altLang="en-US" smtClean="0"/>
-              <a:t>2019/11/20</a:t>
+              <a:t>2019/11/22</a:t>
             </a:fld>
             <a:endParaRPr lang="zh-CN" altLang="en-US"/>
           </a:p>
@@ -2099,7 +2099,7 @@
           <a:p>
             <a:fld id="{E4D90BC2-2884-4579-8035-556168E40905}" type="datetimeFigureOut">
               <a:rPr lang="zh-CN" altLang="en-US" smtClean="0"/>
-              <a:t>2019/11/20</a:t>
+              <a:t>2019/11/22</a:t>
             </a:fld>
             <a:endParaRPr lang="zh-CN" altLang="en-US"/>
           </a:p>
@@ -2352,7 +2352,7 @@
           <a:p>
             <a:fld id="{E4D90BC2-2884-4579-8035-556168E40905}" type="datetimeFigureOut">
               <a:rPr lang="zh-CN" altLang="en-US" smtClean="0"/>
-              <a:t>2019/11/20</a:t>
+              <a:t>2019/11/22</a:t>
             </a:fld>
             <a:endParaRPr lang="zh-CN" altLang="en-US"/>
           </a:p>
@@ -2565,7 +2565,7 @@
           <a:p>
             <a:fld id="{E4D90BC2-2884-4579-8035-556168E40905}" type="datetimeFigureOut">
               <a:rPr lang="zh-CN" altLang="en-US" smtClean="0"/>
-              <a:t>2019/11/20</a:t>
+              <a:t>2019/11/22</a:t>
             </a:fld>
             <a:endParaRPr lang="zh-CN" altLang="en-US"/>
           </a:p>
@@ -3893,17 +3893,7 @@
                   <a:latin typeface="Times New Roman" panose="02020603050405020304" pitchFamily="18" charset="0"/>
                   <a:cs typeface="Times New Roman" panose="02020603050405020304" pitchFamily="18" charset="0"/>
                 </a:rPr>
-                <a:t> </a:t>
-              </a:r>
-              <a:r>
-                <a:rPr lang="en-US" altLang="zh-CN" sz="1000" b="1" smtClean="0">
-                  <a:solidFill>
-                    <a:srgbClr val="FF0000"/>
-                  </a:solidFill>
-                  <a:latin typeface="Times New Roman" panose="02020603050405020304" pitchFamily="18" charset="0"/>
-                  <a:cs typeface="Times New Roman" panose="02020603050405020304" pitchFamily="18" charset="0"/>
-                </a:rPr>
-                <a:t>turn with same condition</a:t>
+                <a:t> turn with same condition</a:t>
               </a:r>
               <a:endParaRPr lang="zh-CN" altLang="en-US" sz="1000" b="1" dirty="0">
                 <a:solidFill>
@@ -3972,7 +3962,7 @@
           <p:spPr>
             <a:xfrm>
               <a:off x="4574690" y="1460555"/>
-              <a:ext cx="1627369" cy="400110"/>
+              <a:ext cx="1677062" cy="400110"/>
             </a:xfrm>
             <a:prstGeom prst="rect">
               <a:avLst/>
@@ -4005,7 +3995,27 @@
                   <a:latin typeface="Times New Roman" panose="02020603050405020304" pitchFamily="18" charset="0"/>
                   <a:cs typeface="Times New Roman" panose="02020603050405020304" pitchFamily="18" charset="0"/>
                 </a:rPr>
-                <a:t>(placed on adject position)</a:t>
+                <a:t>(placed on adject </a:t>
+              </a:r>
+              <a:r>
+                <a:rPr lang="en-US" altLang="zh-CN" sz="1000" b="1" smtClean="0">
+                  <a:solidFill>
+                    <a:srgbClr val="FF0000"/>
+                  </a:solidFill>
+                  <a:latin typeface="Times New Roman" panose="02020603050405020304" pitchFamily="18" charset="0"/>
+                  <a:cs typeface="Times New Roman" panose="02020603050405020304" pitchFamily="18" charset="0"/>
+                </a:rPr>
+                <a:t>openings</a:t>
+              </a:r>
+              <a:r>
+                <a:rPr lang="en-US" altLang="zh-CN" sz="1000" b="1" smtClean="0">
+                  <a:solidFill>
+                    <a:srgbClr val="FF0000"/>
+                  </a:solidFill>
+                  <a:latin typeface="Times New Roman" panose="02020603050405020304" pitchFamily="18" charset="0"/>
+                  <a:cs typeface="Times New Roman" panose="02020603050405020304" pitchFamily="18" charset="0"/>
+                </a:rPr>
+                <a:t>)</a:t>
               </a:r>
               <a:endParaRPr lang="zh-CN" altLang="en-US" sz="1000" b="1" dirty="0">
                 <a:solidFill>
@@ -4176,7 +4186,7 @@
           <p:spPr>
             <a:xfrm>
               <a:off x="4574690" y="3665048"/>
-              <a:ext cx="1745991" cy="400110"/>
+              <a:ext cx="1795684" cy="400110"/>
             </a:xfrm>
             <a:prstGeom prst="rect">
               <a:avLst/>
@@ -4209,7 +4219,27 @@
                   <a:latin typeface="Times New Roman" panose="02020603050405020304" pitchFamily="18" charset="0"/>
                   <a:cs typeface="Times New Roman" panose="02020603050405020304" pitchFamily="18" charset="0"/>
                 </a:rPr>
-                <a:t>(placed on opposite position)</a:t>
+                <a:t>(placed on opposite </a:t>
+              </a:r>
+              <a:r>
+                <a:rPr lang="en-US" altLang="zh-CN" sz="1000" b="1" smtClean="0">
+                  <a:solidFill>
+                    <a:srgbClr val="FF0000"/>
+                  </a:solidFill>
+                  <a:latin typeface="Times New Roman" panose="02020603050405020304" pitchFamily="18" charset="0"/>
+                  <a:cs typeface="Times New Roman" panose="02020603050405020304" pitchFamily="18" charset="0"/>
+                </a:rPr>
+                <a:t>openings</a:t>
+              </a:r>
+              <a:r>
+                <a:rPr lang="en-US" altLang="zh-CN" sz="1000" b="1" smtClean="0">
+                  <a:solidFill>
+                    <a:srgbClr val="FF0000"/>
+                  </a:solidFill>
+                  <a:latin typeface="Times New Roman" panose="02020603050405020304" pitchFamily="18" charset="0"/>
+                  <a:cs typeface="Times New Roman" panose="02020603050405020304" pitchFamily="18" charset="0"/>
+                </a:rPr>
+                <a:t>)</a:t>
               </a:r>
               <a:endParaRPr lang="zh-CN" altLang="en-US" sz="1000" b="1" dirty="0">
                 <a:solidFill>
